--- a/notes.pptx
+++ b/notes.pptx
@@ -6,7 +6,9 @@
   </p:sldMasterIdLst>
   <p:sldIdLst>
     <p:sldId id="256" r:id="rId2"/>
-    <p:sldId id="257" r:id="rId3"/>
+    <p:sldId id="258" r:id="rId3"/>
+    <p:sldId id="259" r:id="rId4"/>
+    <p:sldId id="257" r:id="rId5"/>
   </p:sldIdLst>
   <p:sldSz cx="6858000" cy="9144000" type="letter"/>
   <p:notesSz cx="6858000" cy="9144000"/>
@@ -105,6 +107,11 @@
       </a:defRPr>
     </a:lvl9pPr>
   </p:defaultTextStyle>
+  <p:extLst>
+    <p:ext uri="{EFAFB233-063F-42B5-8137-9DF3F51BA10A}">
+      <p15:sldGuideLst xmlns:p15="http://schemas.microsoft.com/office/powerpoint/2012/main"/>
+    </p:ext>
+  </p:extLst>
 </p:presentation>
 </file>
 
@@ -239,7 +246,7 @@
           <a:p>
             <a:fld id="{3E5C14CA-3EB1-4ED0-8D30-9C04D63A68E0}" type="datetimeFigureOut">
               <a:rPr lang="en-CA" smtClean="0"/>
-              <a:t>23-Jul-2020</a:t>
+              <a:t>01-Aug-2020</a:t>
             </a:fld>
             <a:endParaRPr lang="en-CA"/>
           </a:p>
@@ -409,7 +416,7 @@
           <a:p>
             <a:fld id="{3E5C14CA-3EB1-4ED0-8D30-9C04D63A68E0}" type="datetimeFigureOut">
               <a:rPr lang="en-CA" smtClean="0"/>
-              <a:t>23-Jul-2020</a:t>
+              <a:t>01-Aug-2020</a:t>
             </a:fld>
             <a:endParaRPr lang="en-CA"/>
           </a:p>
@@ -589,7 +596,7 @@
           <a:p>
             <a:fld id="{3E5C14CA-3EB1-4ED0-8D30-9C04D63A68E0}" type="datetimeFigureOut">
               <a:rPr lang="en-CA" smtClean="0"/>
-              <a:t>23-Jul-2020</a:t>
+              <a:t>01-Aug-2020</a:t>
             </a:fld>
             <a:endParaRPr lang="en-CA"/>
           </a:p>
@@ -759,7 +766,7 @@
           <a:p>
             <a:fld id="{3E5C14CA-3EB1-4ED0-8D30-9C04D63A68E0}" type="datetimeFigureOut">
               <a:rPr lang="en-CA" smtClean="0"/>
-              <a:t>23-Jul-2020</a:t>
+              <a:t>01-Aug-2020</a:t>
             </a:fld>
             <a:endParaRPr lang="en-CA"/>
           </a:p>
@@ -1003,7 +1010,7 @@
           <a:p>
             <a:fld id="{3E5C14CA-3EB1-4ED0-8D30-9C04D63A68E0}" type="datetimeFigureOut">
               <a:rPr lang="en-CA" smtClean="0"/>
-              <a:t>23-Jul-2020</a:t>
+              <a:t>01-Aug-2020</a:t>
             </a:fld>
             <a:endParaRPr lang="en-CA"/>
           </a:p>
@@ -1235,7 +1242,7 @@
           <a:p>
             <a:fld id="{3E5C14CA-3EB1-4ED0-8D30-9C04D63A68E0}" type="datetimeFigureOut">
               <a:rPr lang="en-CA" smtClean="0"/>
-              <a:t>23-Jul-2020</a:t>
+              <a:t>01-Aug-2020</a:t>
             </a:fld>
             <a:endParaRPr lang="en-CA"/>
           </a:p>
@@ -1602,7 +1609,7 @@
           <a:p>
             <a:fld id="{3E5C14CA-3EB1-4ED0-8D30-9C04D63A68E0}" type="datetimeFigureOut">
               <a:rPr lang="en-CA" smtClean="0"/>
-              <a:t>23-Jul-2020</a:t>
+              <a:t>01-Aug-2020</a:t>
             </a:fld>
             <a:endParaRPr lang="en-CA"/>
           </a:p>
@@ -1720,7 +1727,7 @@
           <a:p>
             <a:fld id="{3E5C14CA-3EB1-4ED0-8D30-9C04D63A68E0}" type="datetimeFigureOut">
               <a:rPr lang="en-CA" smtClean="0"/>
-              <a:t>23-Jul-2020</a:t>
+              <a:t>01-Aug-2020</a:t>
             </a:fld>
             <a:endParaRPr lang="en-CA"/>
           </a:p>
@@ -1815,7 +1822,7 @@
           <a:p>
             <a:fld id="{3E5C14CA-3EB1-4ED0-8D30-9C04D63A68E0}" type="datetimeFigureOut">
               <a:rPr lang="en-CA" smtClean="0"/>
-              <a:t>23-Jul-2020</a:t>
+              <a:t>01-Aug-2020</a:t>
             </a:fld>
             <a:endParaRPr lang="en-CA"/>
           </a:p>
@@ -2092,7 +2099,7 @@
           <a:p>
             <a:fld id="{3E5C14CA-3EB1-4ED0-8D30-9C04D63A68E0}" type="datetimeFigureOut">
               <a:rPr lang="en-CA" smtClean="0"/>
-              <a:t>23-Jul-2020</a:t>
+              <a:t>01-Aug-2020</a:t>
             </a:fld>
             <a:endParaRPr lang="en-CA"/>
           </a:p>
@@ -2349,7 +2356,7 @@
           <a:p>
             <a:fld id="{3E5C14CA-3EB1-4ED0-8D30-9C04D63A68E0}" type="datetimeFigureOut">
               <a:rPr lang="en-CA" smtClean="0"/>
-              <a:t>23-Jul-2020</a:t>
+              <a:t>01-Aug-2020</a:t>
             </a:fld>
             <a:endParaRPr lang="en-CA"/>
           </a:p>
@@ -2562,7 +2569,7 @@
           <a:p>
             <a:fld id="{3E5C14CA-3EB1-4ED0-8D30-9C04D63A68E0}" type="datetimeFigureOut">
               <a:rPr lang="en-CA" smtClean="0"/>
-              <a:t>23-Jul-2020</a:t>
+              <a:t>01-Aug-2020</a:t>
             </a:fld>
             <a:endParaRPr lang="en-CA"/>
           </a:p>
@@ -3033,6 +3040,337 @@
           <a:chExt cx="0" cy="0"/>
         </a:xfrm>
       </p:grpSpPr>
+      <p:pic>
+        <p:nvPicPr>
+          <p:cNvPr id="6" name="Picture 5" descr="A close up of a sign&#10;&#10;Description automatically generated">
+            <a:extLst>
+              <a:ext uri="{FF2B5EF4-FFF2-40B4-BE49-F238E27FC236}">
+                <a16:creationId xmlns:a16="http://schemas.microsoft.com/office/drawing/2014/main" id="{E8E0826F-DA47-42A3-B8BB-AC505D0273A1}"/>
+              </a:ext>
+            </a:extLst>
+          </p:cNvPr>
+          <p:cNvPicPr>
+            <a:picLocks noChangeAspect="1"/>
+          </p:cNvPicPr>
+          <p:nvPr/>
+        </p:nvPicPr>
+        <p:blipFill>
+          <a:blip r:embed="rId2">
+            <a:extLst>
+              <a:ext uri="{28A0092B-C50C-407E-A947-70E740481C1C}">
+                <a14:useLocalDpi xmlns:a14="http://schemas.microsoft.com/office/drawing/2010/main" val="0"/>
+              </a:ext>
+            </a:extLst>
+          </a:blip>
+          <a:stretch>
+            <a:fillRect/>
+          </a:stretch>
+        </p:blipFill>
+        <p:spPr>
+          <a:xfrm>
+            <a:off x="3429000" y="296471"/>
+            <a:ext cx="3042335" cy="3176064"/>
+          </a:xfrm>
+          <a:prstGeom prst="rect">
+            <a:avLst/>
+          </a:prstGeom>
+        </p:spPr>
+      </p:pic>
+      <p:pic>
+        <p:nvPicPr>
+          <p:cNvPr id="4" name="Picture 3" descr="A close up of a sign&#10;&#10;Description automatically generated">
+            <a:extLst>
+              <a:ext uri="{FF2B5EF4-FFF2-40B4-BE49-F238E27FC236}">
+                <a16:creationId xmlns:a16="http://schemas.microsoft.com/office/drawing/2014/main" id="{A4403D82-C659-4B77-8846-363589BB956E}"/>
+              </a:ext>
+            </a:extLst>
+          </p:cNvPr>
+          <p:cNvPicPr>
+            <a:picLocks noChangeAspect="1"/>
+          </p:cNvPicPr>
+          <p:nvPr/>
+        </p:nvPicPr>
+        <p:blipFill rotWithShape="1">
+          <a:blip r:embed="rId3">
+            <a:extLst>
+              <a:ext uri="{28A0092B-C50C-407E-A947-70E740481C1C}">
+                <a14:useLocalDpi xmlns:a14="http://schemas.microsoft.com/office/drawing/2010/main" val="0"/>
+              </a:ext>
+            </a:extLst>
+          </a:blip>
+          <a:srcRect t="14076"/>
+          <a:stretch/>
+        </p:blipFill>
+        <p:spPr>
+          <a:xfrm>
+            <a:off x="656473" y="2334127"/>
+            <a:ext cx="4943475" cy="5352548"/>
+          </a:xfrm>
+          <a:prstGeom prst="rect">
+            <a:avLst/>
+          </a:prstGeom>
+        </p:spPr>
+      </p:pic>
+      <p:sp>
+        <p:nvSpPr>
+          <p:cNvPr id="5" name="Arrow: Left 4">
+            <a:extLst>
+              <a:ext uri="{FF2B5EF4-FFF2-40B4-BE49-F238E27FC236}">
+                <a16:creationId xmlns:a16="http://schemas.microsoft.com/office/drawing/2014/main" id="{20046DAC-3965-4E0C-B27D-612BAC8C3FFA}"/>
+              </a:ext>
+            </a:extLst>
+          </p:cNvPr>
+          <p:cNvSpPr/>
+          <p:nvPr/>
+        </p:nvSpPr>
+        <p:spPr>
+          <a:xfrm>
+            <a:off x="3272589" y="2418348"/>
+            <a:ext cx="589547" cy="336884"/>
+          </a:xfrm>
+          <a:prstGeom prst="leftArrow">
+            <a:avLst/>
+          </a:prstGeom>
+        </p:spPr>
+        <p:style>
+          <a:lnRef idx="2">
+            <a:schemeClr val="accent1">
+              <a:shade val="50000"/>
+            </a:schemeClr>
+          </a:lnRef>
+          <a:fillRef idx="1">
+            <a:schemeClr val="accent1"/>
+          </a:fillRef>
+          <a:effectRef idx="0">
+            <a:schemeClr val="accent1"/>
+          </a:effectRef>
+          <a:fontRef idx="minor">
+            <a:schemeClr val="lt1"/>
+          </a:fontRef>
+        </p:style>
+        <p:txBody>
+          <a:bodyPr rtlCol="0" anchor="ctr"/>
+          <a:lstStyle/>
+          <a:p>
+            <a:pPr algn="ctr"/>
+            <a:endParaRPr lang="en-CA"/>
+          </a:p>
+        </p:txBody>
+      </p:sp>
+    </p:spTree>
+    <p:extLst>
+      <p:ext uri="{BB962C8B-B14F-4D97-AF65-F5344CB8AC3E}">
+        <p14:creationId xmlns:p14="http://schemas.microsoft.com/office/powerpoint/2010/main" val="907141729"/>
+      </p:ext>
+    </p:extLst>
+  </p:cSld>
+  <p:clrMapOvr>
+    <a:masterClrMapping/>
+  </p:clrMapOvr>
+</p:sld>
+</file>
+
+<file path=ppt/slides/slide3.xml><?xml version="1.0" encoding="utf-8"?>
+<p:sld xmlns:a="http://schemas.openxmlformats.org/drawingml/2006/main" xmlns:r="http://schemas.openxmlformats.org/officeDocument/2006/relationships" xmlns:p="http://schemas.openxmlformats.org/presentationml/2006/main">
+  <p:cSld>
+    <p:spTree>
+      <p:nvGrpSpPr>
+        <p:cNvPr id="1" name=""/>
+        <p:cNvGrpSpPr/>
+        <p:nvPr/>
+      </p:nvGrpSpPr>
+      <p:grpSpPr>
+        <a:xfrm>
+          <a:off x="0" y="0"/>
+          <a:ext cx="0" cy="0"/>
+          <a:chOff x="0" y="0"/>
+          <a:chExt cx="0" cy="0"/>
+        </a:xfrm>
+      </p:grpSpPr>
+      <p:pic>
+        <p:nvPicPr>
+          <p:cNvPr id="6" name="Picture 5" descr="A close up of a sign&#10;&#10;Description automatically generated">
+            <a:extLst>
+              <a:ext uri="{FF2B5EF4-FFF2-40B4-BE49-F238E27FC236}">
+                <a16:creationId xmlns:a16="http://schemas.microsoft.com/office/drawing/2014/main" id="{E8E0826F-DA47-42A3-B8BB-AC505D0273A1}"/>
+              </a:ext>
+            </a:extLst>
+          </p:cNvPr>
+          <p:cNvPicPr>
+            <a:picLocks noChangeAspect="1"/>
+          </p:cNvPicPr>
+          <p:nvPr/>
+        </p:nvPicPr>
+        <p:blipFill>
+          <a:blip r:embed="rId2">
+            <a:extLst>
+              <a:ext uri="{28A0092B-C50C-407E-A947-70E740481C1C}">
+                <a14:useLocalDpi xmlns:a14="http://schemas.microsoft.com/office/drawing/2010/main" val="0"/>
+              </a:ext>
+            </a:extLst>
+          </a:blip>
+          <a:stretch>
+            <a:fillRect/>
+          </a:stretch>
+        </p:blipFill>
+        <p:spPr>
+          <a:xfrm>
+            <a:off x="3429000" y="296471"/>
+            <a:ext cx="3042335" cy="3176064"/>
+          </a:xfrm>
+          <a:prstGeom prst="rect">
+            <a:avLst/>
+          </a:prstGeom>
+        </p:spPr>
+      </p:pic>
+      <p:sp>
+        <p:nvSpPr>
+          <p:cNvPr id="5" name="Arrow: Left 4">
+            <a:extLst>
+              <a:ext uri="{FF2B5EF4-FFF2-40B4-BE49-F238E27FC236}">
+                <a16:creationId xmlns:a16="http://schemas.microsoft.com/office/drawing/2014/main" id="{20046DAC-3965-4E0C-B27D-612BAC8C3FFA}"/>
+              </a:ext>
+            </a:extLst>
+          </p:cNvPr>
+          <p:cNvSpPr/>
+          <p:nvPr/>
+        </p:nvSpPr>
+        <p:spPr>
+          <a:xfrm>
+            <a:off x="3272589" y="2418348"/>
+            <a:ext cx="589547" cy="336884"/>
+          </a:xfrm>
+          <a:prstGeom prst="leftArrow">
+            <a:avLst/>
+          </a:prstGeom>
+        </p:spPr>
+        <p:style>
+          <a:lnRef idx="2">
+            <a:schemeClr val="accent1">
+              <a:shade val="50000"/>
+            </a:schemeClr>
+          </a:lnRef>
+          <a:fillRef idx="1">
+            <a:schemeClr val="accent1"/>
+          </a:fillRef>
+          <a:effectRef idx="0">
+            <a:schemeClr val="accent1"/>
+          </a:effectRef>
+          <a:fontRef idx="minor">
+            <a:schemeClr val="lt1"/>
+          </a:fontRef>
+        </p:style>
+        <p:txBody>
+          <a:bodyPr rtlCol="0" anchor="ctr"/>
+          <a:lstStyle/>
+          <a:p>
+            <a:pPr algn="ctr"/>
+            <a:endParaRPr lang="en-CA"/>
+          </a:p>
+        </p:txBody>
+      </p:sp>
+      <p:pic>
+        <p:nvPicPr>
+          <p:cNvPr id="3" name="Picture 2" descr="A screenshot of a cell phone&#10;&#10;Description automatically generated">
+            <a:extLst>
+              <a:ext uri="{FF2B5EF4-FFF2-40B4-BE49-F238E27FC236}">
+                <a16:creationId xmlns:a16="http://schemas.microsoft.com/office/drawing/2014/main" id="{7CD30FDD-A137-4A28-B49C-2D57DB3F9B38}"/>
+              </a:ext>
+            </a:extLst>
+          </p:cNvPr>
+          <p:cNvPicPr>
+            <a:picLocks noChangeAspect="1"/>
+          </p:cNvPicPr>
+          <p:nvPr/>
+        </p:nvPicPr>
+        <p:blipFill>
+          <a:blip r:embed="rId3">
+            <a:extLst>
+              <a:ext uri="{28A0092B-C50C-407E-A947-70E740481C1C}">
+                <a14:useLocalDpi xmlns:a14="http://schemas.microsoft.com/office/drawing/2010/main" val="0"/>
+              </a:ext>
+            </a:extLst>
+          </a:blip>
+          <a:stretch>
+            <a:fillRect/>
+          </a:stretch>
+        </p:blipFill>
+        <p:spPr>
+          <a:xfrm>
+            <a:off x="697180" y="1550821"/>
+            <a:ext cx="5774155" cy="5398668"/>
+          </a:xfrm>
+          <a:prstGeom prst="rect">
+            <a:avLst/>
+          </a:prstGeom>
+        </p:spPr>
+      </p:pic>
+    </p:spTree>
+    <p:extLst>
+      <p:ext uri="{BB962C8B-B14F-4D97-AF65-F5344CB8AC3E}">
+        <p14:creationId xmlns:p14="http://schemas.microsoft.com/office/powerpoint/2010/main" val="3910390033"/>
+      </p:ext>
+    </p:extLst>
+  </p:cSld>
+  <p:clrMapOvr>
+    <a:masterClrMapping/>
+  </p:clrMapOvr>
+</p:sld>
+</file>
+
+<file path=ppt/slides/slide4.xml><?xml version="1.0" encoding="utf-8"?>
+<p:sld xmlns:a="http://schemas.openxmlformats.org/drawingml/2006/main" xmlns:r="http://schemas.openxmlformats.org/officeDocument/2006/relationships" xmlns:p="http://schemas.openxmlformats.org/presentationml/2006/main">
+  <p:cSld>
+    <p:spTree>
+      <p:nvGrpSpPr>
+        <p:cNvPr id="1" name=""/>
+        <p:cNvGrpSpPr/>
+        <p:nvPr/>
+      </p:nvGrpSpPr>
+      <p:grpSpPr>
+        <a:xfrm>
+          <a:off x="0" y="0"/>
+          <a:ext cx="0" cy="0"/>
+          <a:chOff x="0" y="0"/>
+          <a:chExt cx="0" cy="0"/>
+        </a:xfrm>
+      </p:grpSpPr>
+      <p:pic>
+        <p:nvPicPr>
+          <p:cNvPr id="3" name="Picture 2" descr="A screenshot of a cell phone&#10;&#10;Description automatically generated">
+            <a:extLst>
+              <a:ext uri="{FF2B5EF4-FFF2-40B4-BE49-F238E27FC236}">
+                <a16:creationId xmlns:a16="http://schemas.microsoft.com/office/drawing/2014/main" id="{39D83CBB-DD17-43B4-8D6D-80C93EC69E08}"/>
+              </a:ext>
+            </a:extLst>
+          </p:cNvPr>
+          <p:cNvPicPr>
+            <a:picLocks noChangeAspect="1"/>
+          </p:cNvPicPr>
+          <p:nvPr/>
+        </p:nvPicPr>
+        <p:blipFill>
+          <a:blip r:embed="rId2">
+            <a:extLst>
+              <a:ext uri="{28A0092B-C50C-407E-A947-70E740481C1C}">
+                <a14:useLocalDpi xmlns:a14="http://schemas.microsoft.com/office/drawing/2010/main" val="0"/>
+              </a:ext>
+            </a:extLst>
+          </a:blip>
+          <a:stretch>
+            <a:fillRect/>
+          </a:stretch>
+        </p:blipFill>
+        <p:spPr>
+          <a:xfrm>
+            <a:off x="241147" y="649705"/>
+            <a:ext cx="6530760" cy="3356811"/>
+          </a:xfrm>
+          <a:prstGeom prst="rect">
+            <a:avLst/>
+          </a:prstGeom>
+        </p:spPr>
+      </p:pic>
     </p:spTree>
     <p:extLst>
       <p:ext uri="{BB962C8B-B14F-4D97-AF65-F5344CB8AC3E}">
